--- a/all-async/asio-based_AANF.pptx
+++ b/all-async/asio-based_AANF.pptx
@@ -223,7 +223,8 @@
           <a:p>
             <a:fld id="{71DAEE39-E780-43D6-8F18-149CA3178116}" type="datetimeFigureOut">
               <a:rPr lang="zh-CN" altLang="en-US" smtClean="0"/>
-              <a:t>2011/6/11</a:t>
+              <a:pPr/>
+              <a:t>2013/4/28</a:t>
             </a:fld>
             <a:endParaRPr lang="zh-CN" altLang="en-US"/>
           </a:p>
@@ -382,6 +383,7 @@
           <a:p>
             <a:fld id="{5AE1CE61-1BCA-4182-90D3-E6A435E6D98B}" type="slidenum">
               <a:rPr lang="zh-CN" altLang="en-US" smtClean="0"/>
+              <a:pPr/>
               <a:t>‹#›</a:t>
             </a:fld>
             <a:endParaRPr lang="zh-CN" altLang="en-US"/>
@@ -391,7 +393,7 @@
     </p:spTree>
     <p:extLst>
       <p:ext uri="{BB962C8B-B14F-4D97-AF65-F5344CB8AC3E}">
-        <p14:creationId xmlns:p14="http://schemas.microsoft.com/office/powerpoint/2010/main" val="2630876866"/>
+        <p14:creationId xmlns="" xmlns:p14="http://schemas.microsoft.com/office/powerpoint/2010/main" val="2630876866"/>
       </p:ext>
     </p:extLst>
   </p:cSld>
@@ -653,6 +655,7 @@
           <a:p>
             <a:fld id="{5AE1CE61-1BCA-4182-90D3-E6A435E6D98B}" type="slidenum">
               <a:rPr lang="zh-CN" altLang="en-US" smtClean="0"/>
+              <a:pPr/>
               <a:t>23</a:t>
             </a:fld>
             <a:endParaRPr lang="zh-CN" altLang="en-US"/>
@@ -662,7 +665,7 @@
     </p:spTree>
     <p:extLst>
       <p:ext uri="{BB962C8B-B14F-4D97-AF65-F5344CB8AC3E}">
-        <p14:creationId xmlns:p14="http://schemas.microsoft.com/office/powerpoint/2010/main" val="2195941311"/>
+        <p14:creationId xmlns="" xmlns:p14="http://schemas.microsoft.com/office/powerpoint/2010/main" val="2195941311"/>
       </p:ext>
     </p:extLst>
   </p:cSld>
@@ -853,7 +856,8 @@
           <a:p>
             <a:fld id="{530820CF-B880-4189-942D-D702A7CBA730}" type="datetimeFigureOut">
               <a:rPr lang="zh-CN" altLang="en-US" smtClean="0"/>
-              <a:t>2011/6/11</a:t>
+              <a:pPr/>
+              <a:t>2013/4/28</a:t>
             </a:fld>
             <a:endParaRPr lang="zh-CN" altLang="en-US"/>
           </a:p>
@@ -895,6 +899,7 @@
           <a:p>
             <a:fld id="{0C913308-F349-4B6D-A68A-DD1791B4A57B}" type="slidenum">
               <a:rPr lang="zh-CN" altLang="en-US" smtClean="0"/>
+              <a:pPr/>
               <a:t>‹#›</a:t>
             </a:fld>
             <a:endParaRPr lang="zh-CN" altLang="en-US"/>
@@ -1018,7 +1023,8 @@
           <a:p>
             <a:fld id="{530820CF-B880-4189-942D-D702A7CBA730}" type="datetimeFigureOut">
               <a:rPr lang="zh-CN" altLang="en-US" smtClean="0"/>
-              <a:t>2011/6/11</a:t>
+              <a:pPr/>
+              <a:t>2013/4/28</a:t>
             </a:fld>
             <a:endParaRPr lang="zh-CN" altLang="en-US"/>
           </a:p>
@@ -1060,6 +1066,7 @@
           <a:p>
             <a:fld id="{0C913308-F349-4B6D-A68A-DD1791B4A57B}" type="slidenum">
               <a:rPr lang="zh-CN" altLang="en-US" smtClean="0"/>
+              <a:pPr/>
               <a:t>‹#›</a:t>
             </a:fld>
             <a:endParaRPr lang="zh-CN" altLang="en-US"/>
@@ -1193,7 +1200,8 @@
           <a:p>
             <a:fld id="{530820CF-B880-4189-942D-D702A7CBA730}" type="datetimeFigureOut">
               <a:rPr lang="zh-CN" altLang="en-US" smtClean="0"/>
-              <a:t>2011/6/11</a:t>
+              <a:pPr/>
+              <a:t>2013/4/28</a:t>
             </a:fld>
             <a:endParaRPr lang="zh-CN" altLang="en-US"/>
           </a:p>
@@ -1235,6 +1243,7 @@
           <a:p>
             <a:fld id="{0C913308-F349-4B6D-A68A-DD1791B4A57B}" type="slidenum">
               <a:rPr lang="zh-CN" altLang="en-US" smtClean="0"/>
+              <a:pPr/>
               <a:t>‹#›</a:t>
             </a:fld>
             <a:endParaRPr lang="zh-CN" altLang="en-US"/>
@@ -1358,7 +1367,8 @@
           <a:p>
             <a:fld id="{530820CF-B880-4189-942D-D702A7CBA730}" type="datetimeFigureOut">
               <a:rPr lang="zh-CN" altLang="en-US" smtClean="0"/>
-              <a:t>2011/6/11</a:t>
+              <a:pPr/>
+              <a:t>2013/4/28</a:t>
             </a:fld>
             <a:endParaRPr lang="zh-CN" altLang="en-US"/>
           </a:p>
@@ -1400,6 +1410,7 @@
           <a:p>
             <a:fld id="{0C913308-F349-4B6D-A68A-DD1791B4A57B}" type="slidenum">
               <a:rPr lang="zh-CN" altLang="en-US" smtClean="0"/>
+              <a:pPr/>
               <a:t>‹#›</a:t>
             </a:fld>
             <a:endParaRPr lang="zh-CN" altLang="en-US"/>
@@ -1599,7 +1610,8 @@
           <a:p>
             <a:fld id="{530820CF-B880-4189-942D-D702A7CBA730}" type="datetimeFigureOut">
               <a:rPr lang="zh-CN" altLang="en-US" smtClean="0"/>
-              <a:t>2011/6/11</a:t>
+              <a:pPr/>
+              <a:t>2013/4/28</a:t>
             </a:fld>
             <a:endParaRPr lang="zh-CN" altLang="en-US"/>
           </a:p>
@@ -1641,6 +1653,7 @@
           <a:p>
             <a:fld id="{0C913308-F349-4B6D-A68A-DD1791B4A57B}" type="slidenum">
               <a:rPr lang="zh-CN" altLang="en-US" smtClean="0"/>
+              <a:pPr/>
               <a:t>‹#›</a:t>
             </a:fld>
             <a:endParaRPr lang="zh-CN" altLang="en-US"/>
@@ -1882,7 +1895,8 @@
           <a:p>
             <a:fld id="{530820CF-B880-4189-942D-D702A7CBA730}" type="datetimeFigureOut">
               <a:rPr lang="zh-CN" altLang="en-US" smtClean="0"/>
-              <a:t>2011/6/11</a:t>
+              <a:pPr/>
+              <a:t>2013/4/28</a:t>
             </a:fld>
             <a:endParaRPr lang="zh-CN" altLang="en-US"/>
           </a:p>
@@ -1924,6 +1938,7 @@
           <a:p>
             <a:fld id="{0C913308-F349-4B6D-A68A-DD1791B4A57B}" type="slidenum">
               <a:rPr lang="zh-CN" altLang="en-US" smtClean="0"/>
+              <a:pPr/>
               <a:t>‹#›</a:t>
             </a:fld>
             <a:endParaRPr lang="zh-CN" altLang="en-US"/>
@@ -2299,7 +2314,8 @@
           <a:p>
             <a:fld id="{530820CF-B880-4189-942D-D702A7CBA730}" type="datetimeFigureOut">
               <a:rPr lang="zh-CN" altLang="en-US" smtClean="0"/>
-              <a:t>2011/6/11</a:t>
+              <a:pPr/>
+              <a:t>2013/4/28</a:t>
             </a:fld>
             <a:endParaRPr lang="zh-CN" altLang="en-US"/>
           </a:p>
@@ -2341,6 +2357,7 @@
           <a:p>
             <a:fld id="{0C913308-F349-4B6D-A68A-DD1791B4A57B}" type="slidenum">
               <a:rPr lang="zh-CN" altLang="en-US" smtClean="0"/>
+              <a:pPr/>
               <a:t>‹#›</a:t>
             </a:fld>
             <a:endParaRPr lang="zh-CN" altLang="en-US"/>
@@ -2412,7 +2429,8 @@
           <a:p>
             <a:fld id="{530820CF-B880-4189-942D-D702A7CBA730}" type="datetimeFigureOut">
               <a:rPr lang="zh-CN" altLang="en-US" smtClean="0"/>
-              <a:t>2011/6/11</a:t>
+              <a:pPr/>
+              <a:t>2013/4/28</a:t>
             </a:fld>
             <a:endParaRPr lang="zh-CN" altLang="en-US"/>
           </a:p>
@@ -2454,6 +2472,7 @@
           <a:p>
             <a:fld id="{0C913308-F349-4B6D-A68A-DD1791B4A57B}" type="slidenum">
               <a:rPr lang="zh-CN" altLang="en-US" smtClean="0"/>
+              <a:pPr/>
               <a:t>‹#›</a:t>
             </a:fld>
             <a:endParaRPr lang="zh-CN" altLang="en-US"/>
@@ -2502,7 +2521,8 @@
           <a:p>
             <a:fld id="{530820CF-B880-4189-942D-D702A7CBA730}" type="datetimeFigureOut">
               <a:rPr lang="zh-CN" altLang="en-US" smtClean="0"/>
-              <a:t>2011/6/11</a:t>
+              <a:pPr/>
+              <a:t>2013/4/28</a:t>
             </a:fld>
             <a:endParaRPr lang="zh-CN" altLang="en-US"/>
           </a:p>
@@ -2544,6 +2564,7 @@
           <a:p>
             <a:fld id="{0C913308-F349-4B6D-A68A-DD1791B4A57B}" type="slidenum">
               <a:rPr lang="zh-CN" altLang="en-US" smtClean="0"/>
+              <a:pPr/>
               <a:t>‹#›</a:t>
             </a:fld>
             <a:endParaRPr lang="zh-CN" altLang="en-US"/>
@@ -2774,7 +2795,8 @@
           <a:p>
             <a:fld id="{530820CF-B880-4189-942D-D702A7CBA730}" type="datetimeFigureOut">
               <a:rPr lang="zh-CN" altLang="en-US" smtClean="0"/>
-              <a:t>2011/6/11</a:t>
+              <a:pPr/>
+              <a:t>2013/4/28</a:t>
             </a:fld>
             <a:endParaRPr lang="zh-CN" altLang="en-US"/>
           </a:p>
@@ -2816,6 +2838,7 @@
           <a:p>
             <a:fld id="{0C913308-F349-4B6D-A68A-DD1791B4A57B}" type="slidenum">
               <a:rPr lang="zh-CN" altLang="en-US" smtClean="0"/>
+              <a:pPr/>
               <a:t>‹#›</a:t>
             </a:fld>
             <a:endParaRPr lang="zh-CN" altLang="en-US"/>
@@ -3022,7 +3045,8 @@
           <a:p>
             <a:fld id="{530820CF-B880-4189-942D-D702A7CBA730}" type="datetimeFigureOut">
               <a:rPr lang="zh-CN" altLang="en-US" smtClean="0"/>
-              <a:t>2011/6/11</a:t>
+              <a:pPr/>
+              <a:t>2013/4/28</a:t>
             </a:fld>
             <a:endParaRPr lang="zh-CN" altLang="en-US"/>
           </a:p>
@@ -3064,6 +3088,7 @@
           <a:p>
             <a:fld id="{0C913308-F349-4B6D-A68A-DD1791B4A57B}" type="slidenum">
               <a:rPr lang="zh-CN" altLang="en-US" smtClean="0"/>
+              <a:pPr/>
               <a:t>‹#›</a:t>
             </a:fld>
             <a:endParaRPr lang="zh-CN" altLang="en-US"/>
@@ -3230,7 +3255,8 @@
           <a:p>
             <a:fld id="{530820CF-B880-4189-942D-D702A7CBA730}" type="datetimeFigureOut">
               <a:rPr lang="zh-CN" altLang="en-US" smtClean="0"/>
-              <a:t>2011/6/11</a:t>
+              <a:pPr/>
+              <a:t>2013/4/28</a:t>
             </a:fld>
             <a:endParaRPr lang="zh-CN" altLang="en-US"/>
           </a:p>
@@ -3308,6 +3334,7 @@
           <a:p>
             <a:fld id="{0C913308-F349-4B6D-A68A-DD1791B4A57B}" type="slidenum">
               <a:rPr lang="zh-CN" altLang="en-US" smtClean="0"/>
+              <a:pPr/>
               <a:t>‹#›</a:t>
             </a:fld>
             <a:endParaRPr lang="zh-CN" altLang="en-US"/>
@@ -3682,13 +3709,20 @@
     </p:spTree>
     <p:extLst>
       <p:ext uri="{BB962C8B-B14F-4D97-AF65-F5344CB8AC3E}">
-        <p14:creationId xmlns:p14="http://schemas.microsoft.com/office/powerpoint/2010/main" val="2088592893"/>
+        <p14:creationId xmlns="" xmlns:p14="http://schemas.microsoft.com/office/powerpoint/2010/main" val="2088592893"/>
       </p:ext>
     </p:extLst>
   </p:cSld>
   <p:clrMapOvr>
     <a:masterClrMapping/>
   </p:clrMapOvr>
+  <p:timing>
+    <p:tnLst>
+      <p:par>
+        <p:cTn id="1" dur="indefinite" restart="never" nodeType="tmRoot"/>
+      </p:par>
+    </p:tnLst>
+  </p:timing>
 </p:sld>
 </file>
 
@@ -4032,7 +4066,7 @@
     </p:spTree>
     <p:extLst>
       <p:ext uri="{BB962C8B-B14F-4D97-AF65-F5344CB8AC3E}">
-        <p14:creationId xmlns:p14="http://schemas.microsoft.com/office/powerpoint/2010/main" val="414106803"/>
+        <p14:creationId xmlns="" xmlns:p14="http://schemas.microsoft.com/office/powerpoint/2010/main" val="414106803"/>
       </p:ext>
     </p:extLst>
   </p:cSld>
@@ -4956,7 +4990,7 @@
     </p:spTree>
     <p:extLst>
       <p:ext uri="{BB962C8B-B14F-4D97-AF65-F5344CB8AC3E}">
-        <p14:creationId xmlns:p14="http://schemas.microsoft.com/office/powerpoint/2010/main" val="3761030900"/>
+        <p14:creationId xmlns="" xmlns:p14="http://schemas.microsoft.com/office/powerpoint/2010/main" val="3761030900"/>
       </p:ext>
     </p:extLst>
   </p:cSld>
@@ -5963,7 +5997,7 @@
     </p:spTree>
     <p:extLst>
       <p:ext uri="{BB962C8B-B14F-4D97-AF65-F5344CB8AC3E}">
-        <p14:creationId xmlns:p14="http://schemas.microsoft.com/office/powerpoint/2010/main" val="3586361714"/>
+        <p14:creationId xmlns="" xmlns:p14="http://schemas.microsoft.com/office/powerpoint/2010/main" val="3586361714"/>
       </p:ext>
     </p:extLst>
   </p:cSld>
@@ -6052,7 +6086,7 @@
           <p:nvPr>
             <p:extLst>
               <p:ext uri="{D42A27DB-BD31-4B8C-83A1-F6EECF244321}">
-                <p14:modId xmlns:p14="http://schemas.microsoft.com/office/powerpoint/2010/main" val="1551047440"/>
+                <p14:modId xmlns="" xmlns:p14="http://schemas.microsoft.com/office/powerpoint/2010/main" val="1551047440"/>
               </p:ext>
             </p:extLst>
           </p:nvPr>
@@ -6321,13 +6355,13 @@
         </p:nvSpPr>
         <p:spPr>
           <a:xfrm>
-            <a:off x="5076056" y="3894184"/>
+            <a:off x="7358082" y="3786190"/>
             <a:ext cx="1296144" cy="612648"/>
           </a:xfrm>
           <a:prstGeom prst="wedgeRoundRectCallout">
             <a:avLst>
-              <a:gd name="adj1" fmla="val 11642"/>
-              <a:gd name="adj2" fmla="val -188625"/>
+              <a:gd name="adj1" fmla="val -60317"/>
+              <a:gd name="adj2" fmla="val -185640"/>
               <a:gd name="adj3" fmla="val 16667"/>
             </a:avLst>
           </a:prstGeom>
@@ -6374,13 +6408,13 @@
       </p:sp>
       <p:sp>
         <p:nvSpPr>
-          <p:cNvPr id="7" name="圆角矩形标注 6"/>
+          <p:cNvPr id="8" name="圆角矩形标注 7"/>
           <p:cNvSpPr/>
           <p:nvPr/>
         </p:nvSpPr>
         <p:spPr>
           <a:xfrm>
-            <a:off x="6876256" y="3907887"/>
+            <a:off x="3275856" y="3936251"/>
             <a:ext cx="1296144" cy="612648"/>
           </a:xfrm>
           <a:prstGeom prst="wedgeRoundRectCallout">
@@ -6416,12 +6450,28 @@
           <a:p>
             <a:pPr algn="ctr"/>
             <a:r>
+              <a:rPr lang="zh-CN" altLang="en-US" dirty="0" smtClean="0">
+                <a:solidFill>
+                  <a:schemeClr val="tx1"/>
+                </a:solidFill>
+              </a:rPr>
+              <a:t>较少：</a:t>
+            </a:r>
+            <a:r>
               <a:rPr lang="en-US" altLang="zh-CN" dirty="0" smtClean="0">
                 <a:solidFill>
                   <a:schemeClr val="tx1"/>
                 </a:solidFill>
               </a:rPr>
-              <a:t>GNP+ACL</a:t>
+              <a:t>poppy</a:t>
+            </a:r>
+            <a:r>
+              <a:rPr lang="zh-CN" altLang="en-US" smtClean="0">
+                <a:solidFill>
+                  <a:schemeClr val="tx1"/>
+                </a:solidFill>
+              </a:rPr>
+              <a:t>支持</a:t>
             </a:r>
             <a:endParaRPr lang="zh-CN" altLang="en-US" dirty="0">
               <a:solidFill>
@@ -6433,13 +6483,13 @@
       </p:sp>
       <p:sp>
         <p:nvSpPr>
-          <p:cNvPr id="8" name="圆角矩形标注 7"/>
+          <p:cNvPr id="9" name="圆角矩形标注 8"/>
           <p:cNvSpPr/>
           <p:nvPr/>
         </p:nvSpPr>
         <p:spPr>
           <a:xfrm>
-            <a:off x="3275856" y="3936251"/>
+            <a:off x="5000628" y="3857628"/>
             <a:ext cx="1296144" cy="612648"/>
           </a:xfrm>
           <a:prstGeom prst="wedgeRoundRectCallout">
@@ -6480,7 +6530,7 @@
                   <a:schemeClr val="tx1"/>
                 </a:solidFill>
               </a:rPr>
-              <a:t>不可能</a:t>
+              <a:t>少</a:t>
             </a:r>
             <a:endParaRPr lang="zh-CN" altLang="en-US" dirty="0">
               <a:solidFill>
@@ -6493,7 +6543,7 @@
     </p:spTree>
     <p:extLst>
       <p:ext uri="{BB962C8B-B14F-4D97-AF65-F5344CB8AC3E}">
-        <p14:creationId xmlns:p14="http://schemas.microsoft.com/office/powerpoint/2010/main" val="3906812542"/>
+        <p14:creationId xmlns="" xmlns:p14="http://schemas.microsoft.com/office/powerpoint/2010/main" val="3906812542"/>
       </p:ext>
     </p:extLst>
   </p:cSld>
@@ -6652,7 +6702,7 @@
     </p:spTree>
     <p:extLst>
       <p:ext uri="{BB962C8B-B14F-4D97-AF65-F5344CB8AC3E}">
-        <p14:creationId xmlns:p14="http://schemas.microsoft.com/office/powerpoint/2010/main" val="501923114"/>
+        <p14:creationId xmlns="" xmlns:p14="http://schemas.microsoft.com/office/powerpoint/2010/main" val="501923114"/>
       </p:ext>
     </p:extLst>
   </p:cSld>
@@ -6853,7 +6903,7 @@
     </p:spTree>
     <p:extLst>
       <p:ext uri="{BB962C8B-B14F-4D97-AF65-F5344CB8AC3E}">
-        <p14:creationId xmlns:p14="http://schemas.microsoft.com/office/powerpoint/2010/main" val="3505245814"/>
+        <p14:creationId xmlns="" xmlns:p14="http://schemas.microsoft.com/office/powerpoint/2010/main" val="3505245814"/>
       </p:ext>
     </p:extLst>
   </p:cSld>
@@ -6991,7 +7041,7 @@
     </p:spTree>
     <p:extLst>
       <p:ext uri="{BB962C8B-B14F-4D97-AF65-F5344CB8AC3E}">
-        <p14:creationId xmlns:p14="http://schemas.microsoft.com/office/powerpoint/2010/main" val="1761651654"/>
+        <p14:creationId xmlns="" xmlns:p14="http://schemas.microsoft.com/office/powerpoint/2010/main" val="1761651654"/>
       </p:ext>
     </p:extLst>
   </p:cSld>
@@ -7362,7 +7412,7 @@
     </p:spTree>
     <p:extLst>
       <p:ext uri="{BB962C8B-B14F-4D97-AF65-F5344CB8AC3E}">
-        <p14:creationId xmlns:p14="http://schemas.microsoft.com/office/powerpoint/2010/main" val="3279061601"/>
+        <p14:creationId xmlns="" xmlns:p14="http://schemas.microsoft.com/office/powerpoint/2010/main" val="3279061601"/>
       </p:ext>
     </p:extLst>
   </p:cSld>
@@ -8263,7 +8313,7 @@
     </p:spTree>
     <p:extLst>
       <p:ext uri="{BB962C8B-B14F-4D97-AF65-F5344CB8AC3E}">
-        <p14:creationId xmlns:p14="http://schemas.microsoft.com/office/powerpoint/2010/main" val="275877329"/>
+        <p14:creationId xmlns="" xmlns:p14="http://schemas.microsoft.com/office/powerpoint/2010/main" val="275877329"/>
       </p:ext>
     </p:extLst>
   </p:cSld>
@@ -8845,7 +8895,7 @@
     </p:spTree>
     <p:extLst>
       <p:ext uri="{BB962C8B-B14F-4D97-AF65-F5344CB8AC3E}">
-        <p14:creationId xmlns:p14="http://schemas.microsoft.com/office/powerpoint/2010/main" val="656442115"/>
+        <p14:creationId xmlns="" xmlns:p14="http://schemas.microsoft.com/office/powerpoint/2010/main" val="656442115"/>
       </p:ext>
     </p:extLst>
   </p:cSld>
@@ -8979,7 +9029,7 @@
     </p:spTree>
     <p:extLst>
       <p:ext uri="{BB962C8B-B14F-4D97-AF65-F5344CB8AC3E}">
-        <p14:creationId xmlns:p14="http://schemas.microsoft.com/office/powerpoint/2010/main" val="3290549414"/>
+        <p14:creationId xmlns="" xmlns:p14="http://schemas.microsoft.com/office/powerpoint/2010/main" val="3290549414"/>
       </p:ext>
     </p:extLst>
   </p:cSld>
@@ -10035,7 +10085,7 @@
     </p:spTree>
     <p:extLst>
       <p:ext uri="{BB962C8B-B14F-4D97-AF65-F5344CB8AC3E}">
-        <p14:creationId xmlns:p14="http://schemas.microsoft.com/office/powerpoint/2010/main" val="858510930"/>
+        <p14:creationId xmlns="" xmlns:p14="http://schemas.microsoft.com/office/powerpoint/2010/main" val="858510930"/>
       </p:ext>
     </p:extLst>
   </p:cSld>
@@ -10998,7 +11048,7 @@
     </p:spTree>
     <p:extLst>
       <p:ext uri="{BB962C8B-B14F-4D97-AF65-F5344CB8AC3E}">
-        <p14:creationId xmlns:p14="http://schemas.microsoft.com/office/powerpoint/2010/main" val="3565241934"/>
+        <p14:creationId xmlns="" xmlns:p14="http://schemas.microsoft.com/office/powerpoint/2010/main" val="3565241934"/>
       </p:ext>
     </p:extLst>
   </p:cSld>
@@ -11136,7 +11186,7 @@
     </p:spTree>
     <p:extLst>
       <p:ext uri="{BB962C8B-B14F-4D97-AF65-F5344CB8AC3E}">
-        <p14:creationId xmlns:p14="http://schemas.microsoft.com/office/powerpoint/2010/main" val="1393093710"/>
+        <p14:creationId xmlns="" xmlns:p14="http://schemas.microsoft.com/office/powerpoint/2010/main" val="1393093710"/>
       </p:ext>
     </p:extLst>
   </p:cSld>
@@ -11417,7 +11467,7 @@
     </p:spTree>
     <p:extLst>
       <p:ext uri="{BB962C8B-B14F-4D97-AF65-F5344CB8AC3E}">
-        <p14:creationId xmlns:p14="http://schemas.microsoft.com/office/powerpoint/2010/main" val="3943516159"/>
+        <p14:creationId xmlns="" xmlns:p14="http://schemas.microsoft.com/office/powerpoint/2010/main" val="3943516159"/>
       </p:ext>
     </p:extLst>
   </p:cSld>
@@ -11495,11 +11545,7 @@
           <a:p>
             <a:r>
               <a:rPr lang="zh-CN" altLang="en-US" dirty="0" smtClean="0"/>
-              <a:t>使用者要关注的接</a:t>
-            </a:r>
-            <a:r>
-              <a:rPr lang="zh-CN" altLang="en-US" dirty="0" smtClean="0"/>
-              <a:t>口</a:t>
+              <a:t>使用者要关注的接口</a:t>
             </a:r>
             <a:endParaRPr lang="en-US" altLang="zh-CN" dirty="0" smtClean="0"/>
           </a:p>
@@ -11515,7 +11561,7 @@
     </p:spTree>
     <p:extLst>
       <p:ext uri="{BB962C8B-B14F-4D97-AF65-F5344CB8AC3E}">
-        <p14:creationId xmlns:p14="http://schemas.microsoft.com/office/powerpoint/2010/main" val="1230044182"/>
+        <p14:creationId xmlns="" xmlns:p14="http://schemas.microsoft.com/office/powerpoint/2010/main" val="1230044182"/>
       </p:ext>
     </p:extLst>
   </p:cSld>
@@ -11561,7 +11607,7 @@
           <a:blip r:embed="rId2">
             <a:extLst>
               <a:ext uri="{28A0092B-C50C-407E-A947-70E740481C1C}">
-                <a14:useLocalDpi xmlns:a14="http://schemas.microsoft.com/office/drawing/2010/main" val="0"/>
+                <a14:useLocalDpi xmlns="" xmlns:a14="http://schemas.microsoft.com/office/drawing/2010/main" val="0"/>
               </a:ext>
             </a:extLst>
           </a:blip>
@@ -11585,14 +11631,14 @@
           <a:effectLst/>
           <a:extLst>
             <a:ext uri="{909E8E84-426E-40DD-AFC4-6F175D3DCCD1}">
-              <a14:hiddenFill xmlns:a14="http://schemas.microsoft.com/office/drawing/2010/main">
+              <a14:hiddenFill xmlns="" xmlns:a14="http://schemas.microsoft.com/office/drawing/2010/main">
                 <a:solidFill>
                   <a:schemeClr val="accent1"/>
                 </a:solidFill>
               </a14:hiddenFill>
             </a:ext>
             <a:ext uri="{91240B29-F687-4F45-9708-019B960494DF}">
-              <a14:hiddenLine xmlns:a14="http://schemas.microsoft.com/office/drawing/2010/main" w="9525">
+              <a14:hiddenLine xmlns="" xmlns:a14="http://schemas.microsoft.com/office/drawing/2010/main" w="9525">
                 <a:solidFill>
                   <a:schemeClr val="tx1"/>
                 </a:solidFill>
@@ -11602,7 +11648,7 @@
               </a14:hiddenLine>
             </a:ext>
             <a:ext uri="{AF507438-7753-43E0-B8FC-AC1667EBCBE1}">
-              <a14:hiddenEffects xmlns:a14="http://schemas.microsoft.com/office/drawing/2010/main">
+              <a14:hiddenEffects xmlns="" xmlns:a14="http://schemas.microsoft.com/office/drawing/2010/main">
                 <a:effectLst>
                   <a:outerShdw dist="35921" dir="2700000" algn="ctr" rotWithShape="0">
                     <a:schemeClr val="bg2"/>
@@ -11625,7 +11671,7 @@
           <a:blip r:embed="rId3">
             <a:extLst>
               <a:ext uri="{28A0092B-C50C-407E-A947-70E740481C1C}">
-                <a14:useLocalDpi xmlns:a14="http://schemas.microsoft.com/office/drawing/2010/main" val="0"/>
+                <a14:useLocalDpi xmlns="" xmlns:a14="http://schemas.microsoft.com/office/drawing/2010/main" val="0"/>
               </a:ext>
             </a:extLst>
           </a:blip>
@@ -11649,14 +11695,14 @@
           <a:effectLst/>
           <a:extLst>
             <a:ext uri="{909E8E84-426E-40DD-AFC4-6F175D3DCCD1}">
-              <a14:hiddenFill xmlns:a14="http://schemas.microsoft.com/office/drawing/2010/main">
+              <a14:hiddenFill xmlns="" xmlns:a14="http://schemas.microsoft.com/office/drawing/2010/main">
                 <a:solidFill>
                   <a:schemeClr val="accent1"/>
                 </a:solidFill>
               </a14:hiddenFill>
             </a:ext>
             <a:ext uri="{91240B29-F687-4F45-9708-019B960494DF}">
-              <a14:hiddenLine xmlns:a14="http://schemas.microsoft.com/office/drawing/2010/main" w="9525">
+              <a14:hiddenLine xmlns="" xmlns:a14="http://schemas.microsoft.com/office/drawing/2010/main" w="9525">
                 <a:solidFill>
                   <a:schemeClr val="tx1"/>
                 </a:solidFill>
@@ -11666,7 +11712,7 @@
               </a14:hiddenLine>
             </a:ext>
             <a:ext uri="{AF507438-7753-43E0-B8FC-AC1667EBCBE1}">
-              <a14:hiddenEffects xmlns:a14="http://schemas.microsoft.com/office/drawing/2010/main">
+              <a14:hiddenEffects xmlns="" xmlns:a14="http://schemas.microsoft.com/office/drawing/2010/main">
                 <a:effectLst>
                   <a:outerShdw dist="35921" dir="2700000" algn="ctr" rotWithShape="0">
                     <a:schemeClr val="bg2"/>
@@ -11689,7 +11735,7 @@
           <a:blip r:embed="rId4">
             <a:extLst>
               <a:ext uri="{28A0092B-C50C-407E-A947-70E740481C1C}">
-                <a14:useLocalDpi xmlns:a14="http://schemas.microsoft.com/office/drawing/2010/main" val="0"/>
+                <a14:useLocalDpi xmlns="" xmlns:a14="http://schemas.microsoft.com/office/drawing/2010/main" val="0"/>
               </a:ext>
             </a:extLst>
           </a:blip>
@@ -11713,14 +11759,14 @@
           <a:effectLst/>
           <a:extLst>
             <a:ext uri="{909E8E84-426E-40DD-AFC4-6F175D3DCCD1}">
-              <a14:hiddenFill xmlns:a14="http://schemas.microsoft.com/office/drawing/2010/main">
+              <a14:hiddenFill xmlns="" xmlns:a14="http://schemas.microsoft.com/office/drawing/2010/main">
                 <a:solidFill>
                   <a:schemeClr val="accent1"/>
                 </a:solidFill>
               </a14:hiddenFill>
             </a:ext>
             <a:ext uri="{91240B29-F687-4F45-9708-019B960494DF}">
-              <a14:hiddenLine xmlns:a14="http://schemas.microsoft.com/office/drawing/2010/main" w="9525">
+              <a14:hiddenLine xmlns="" xmlns:a14="http://schemas.microsoft.com/office/drawing/2010/main" w="9525">
                 <a:solidFill>
                   <a:schemeClr val="tx1"/>
                 </a:solidFill>
@@ -11730,7 +11776,7 @@
               </a14:hiddenLine>
             </a:ext>
             <a:ext uri="{AF507438-7753-43E0-B8FC-AC1667EBCBE1}">
-              <a14:hiddenEffects xmlns:a14="http://schemas.microsoft.com/office/drawing/2010/main">
+              <a14:hiddenEffects xmlns="" xmlns:a14="http://schemas.microsoft.com/office/drawing/2010/main">
                 <a:effectLst>
                   <a:outerShdw dist="35921" dir="2700000" algn="ctr" rotWithShape="0">
                     <a:schemeClr val="bg2"/>
@@ -12427,7 +12473,7 @@
     </p:spTree>
     <p:extLst>
       <p:ext uri="{BB962C8B-B14F-4D97-AF65-F5344CB8AC3E}">
-        <p14:creationId xmlns:p14="http://schemas.microsoft.com/office/powerpoint/2010/main" val="1675068347"/>
+        <p14:creationId xmlns="" xmlns:p14="http://schemas.microsoft.com/office/powerpoint/2010/main" val="1675068347"/>
       </p:ext>
     </p:extLst>
   </p:cSld>
@@ -13940,7 +13986,7 @@
     </p:spTree>
     <p:extLst>
       <p:ext uri="{BB962C8B-B14F-4D97-AF65-F5344CB8AC3E}">
-        <p14:creationId xmlns:p14="http://schemas.microsoft.com/office/powerpoint/2010/main" val="631549359"/>
+        <p14:creationId xmlns="" xmlns:p14="http://schemas.microsoft.com/office/powerpoint/2010/main" val="631549359"/>
       </p:ext>
     </p:extLst>
   </p:cSld>
@@ -14078,7 +14124,7 @@
     </p:spTree>
     <p:extLst>
       <p:ext uri="{BB962C8B-B14F-4D97-AF65-F5344CB8AC3E}">
-        <p14:creationId xmlns:p14="http://schemas.microsoft.com/office/powerpoint/2010/main" val="2942204969"/>
+        <p14:creationId xmlns="" xmlns:p14="http://schemas.microsoft.com/office/powerpoint/2010/main" val="2942204969"/>
       </p:ext>
     </p:extLst>
   </p:cSld>
@@ -14170,7 +14216,7 @@
           <a:blip r:embed="rId2">
             <a:extLst>
               <a:ext uri="{28A0092B-C50C-407E-A947-70E740481C1C}">
-                <a14:useLocalDpi xmlns:a14="http://schemas.microsoft.com/office/drawing/2010/main" val="0"/>
+                <a14:useLocalDpi xmlns="" xmlns:a14="http://schemas.microsoft.com/office/drawing/2010/main" val="0"/>
               </a:ext>
             </a:extLst>
           </a:blip>
@@ -14194,14 +14240,14 @@
           <a:effectLst/>
           <a:extLst>
             <a:ext uri="{909E8E84-426E-40DD-AFC4-6F175D3DCCD1}">
-              <a14:hiddenFill xmlns:a14="http://schemas.microsoft.com/office/drawing/2010/main">
+              <a14:hiddenFill xmlns="" xmlns:a14="http://schemas.microsoft.com/office/drawing/2010/main">
                 <a:solidFill>
                   <a:schemeClr val="accent1"/>
                 </a:solidFill>
               </a14:hiddenFill>
             </a:ext>
             <a:ext uri="{91240B29-F687-4F45-9708-019B960494DF}">
-              <a14:hiddenLine xmlns:a14="http://schemas.microsoft.com/office/drawing/2010/main" w="9525">
+              <a14:hiddenLine xmlns="" xmlns:a14="http://schemas.microsoft.com/office/drawing/2010/main" w="9525">
                 <a:solidFill>
                   <a:schemeClr val="tx1"/>
                 </a:solidFill>
@@ -14211,7 +14257,7 @@
               </a14:hiddenLine>
             </a:ext>
             <a:ext uri="{AF507438-7753-43E0-B8FC-AC1667EBCBE1}">
-              <a14:hiddenEffects xmlns:a14="http://schemas.microsoft.com/office/drawing/2010/main">
+              <a14:hiddenEffects xmlns="" xmlns:a14="http://schemas.microsoft.com/office/drawing/2010/main">
                 <a:effectLst>
                   <a:outerShdw dist="35921" dir="2700000" algn="ctr" rotWithShape="0">
                     <a:schemeClr val="bg2"/>
@@ -14724,7 +14770,7 @@
     </p:spTree>
     <p:extLst>
       <p:ext uri="{BB962C8B-B14F-4D97-AF65-F5344CB8AC3E}">
-        <p14:creationId xmlns:p14="http://schemas.microsoft.com/office/powerpoint/2010/main" val="23575900"/>
+        <p14:creationId xmlns="" xmlns:p14="http://schemas.microsoft.com/office/powerpoint/2010/main" val="23575900"/>
       </p:ext>
     </p:extLst>
   </p:cSld>
@@ -15251,7 +15297,7 @@
     </p:spTree>
     <p:extLst>
       <p:ext uri="{BB962C8B-B14F-4D97-AF65-F5344CB8AC3E}">
-        <p14:creationId xmlns:p14="http://schemas.microsoft.com/office/powerpoint/2010/main" val="1587621493"/>
+        <p14:creationId xmlns="" xmlns:p14="http://schemas.microsoft.com/office/powerpoint/2010/main" val="1587621493"/>
       </p:ext>
     </p:extLst>
   </p:cSld>
@@ -15496,7 +15542,7 @@
     </p:spTree>
     <p:extLst>
       <p:ext uri="{BB962C8B-B14F-4D97-AF65-F5344CB8AC3E}">
-        <p14:creationId xmlns:p14="http://schemas.microsoft.com/office/powerpoint/2010/main" val="2100671114"/>
+        <p14:creationId xmlns="" xmlns:p14="http://schemas.microsoft.com/office/powerpoint/2010/main" val="2100671114"/>
       </p:ext>
     </p:extLst>
   </p:cSld>
@@ -15835,7 +15881,7 @@
     </p:spTree>
     <p:extLst>
       <p:ext uri="{BB962C8B-B14F-4D97-AF65-F5344CB8AC3E}">
-        <p14:creationId xmlns:p14="http://schemas.microsoft.com/office/powerpoint/2010/main" val="2471750682"/>
+        <p14:creationId xmlns="" xmlns:p14="http://schemas.microsoft.com/office/powerpoint/2010/main" val="2471750682"/>
       </p:ext>
     </p:extLst>
   </p:cSld>
@@ -15988,11 +16034,7 @@
             </a:r>
             <a:r>
               <a:rPr lang="zh-CN" altLang="en-US" dirty="0" smtClean="0"/>
-              <a:t>理还不完</a:t>
-            </a:r>
-            <a:r>
-              <a:rPr lang="zh-CN" altLang="en-US" dirty="0" smtClean="0"/>
-              <a:t>善</a:t>
+              <a:t>理还不完善</a:t>
             </a:r>
             <a:endParaRPr lang="en-US" altLang="zh-CN" dirty="0" smtClean="0"/>
           </a:p>
@@ -16043,11 +16085,7 @@
             <a:pPr lvl="1"/>
             <a:r>
               <a:rPr lang="zh-CN" altLang="en-US" dirty="0" smtClean="0"/>
-              <a:t>未测</a:t>
-            </a:r>
-            <a:r>
-              <a:rPr lang="zh-CN" altLang="en-US" dirty="0" smtClean="0"/>
-              <a:t>试，即模型</a:t>
+              <a:t>未测试，即模型</a:t>
             </a:r>
             <a:r>
               <a:rPr lang="en-US" altLang="zh-CN" smtClean="0"/>
@@ -16060,7 +16098,7 @@
     </p:spTree>
     <p:extLst>
       <p:ext uri="{BB962C8B-B14F-4D97-AF65-F5344CB8AC3E}">
-        <p14:creationId xmlns:p14="http://schemas.microsoft.com/office/powerpoint/2010/main" val="1087874586"/>
+        <p14:creationId xmlns="" xmlns:p14="http://schemas.microsoft.com/office/powerpoint/2010/main" val="1087874586"/>
       </p:ext>
     </p:extLst>
   </p:cSld>
@@ -16125,7 +16163,7 @@
     </p:spTree>
     <p:extLst>
       <p:ext uri="{BB962C8B-B14F-4D97-AF65-F5344CB8AC3E}">
-        <p14:creationId xmlns:p14="http://schemas.microsoft.com/office/powerpoint/2010/main" val="2338332807"/>
+        <p14:creationId xmlns="" xmlns:p14="http://schemas.microsoft.com/office/powerpoint/2010/main" val="2338332807"/>
       </p:ext>
     </p:extLst>
   </p:cSld>
@@ -16616,7 +16654,7 @@
     </p:spTree>
     <p:extLst>
       <p:ext uri="{BB962C8B-B14F-4D97-AF65-F5344CB8AC3E}">
-        <p14:creationId xmlns:p14="http://schemas.microsoft.com/office/powerpoint/2010/main" val="2120404832"/>
+        <p14:creationId xmlns="" xmlns:p14="http://schemas.microsoft.com/office/powerpoint/2010/main" val="2120404832"/>
       </p:ext>
     </p:extLst>
   </p:cSld>
@@ -16754,7 +16792,7 @@
     </p:spTree>
     <p:extLst>
       <p:ext uri="{BB962C8B-B14F-4D97-AF65-F5344CB8AC3E}">
-        <p14:creationId xmlns:p14="http://schemas.microsoft.com/office/powerpoint/2010/main" val="710766366"/>
+        <p14:creationId xmlns="" xmlns:p14="http://schemas.microsoft.com/office/powerpoint/2010/main" val="710766366"/>
       </p:ext>
     </p:extLst>
   </p:cSld>
@@ -16869,7 +16907,7 @@
     </p:spTree>
     <p:extLst>
       <p:ext uri="{BB962C8B-B14F-4D97-AF65-F5344CB8AC3E}">
-        <p14:creationId xmlns:p14="http://schemas.microsoft.com/office/powerpoint/2010/main" val="3274976693"/>
+        <p14:creationId xmlns="" xmlns:p14="http://schemas.microsoft.com/office/powerpoint/2010/main" val="3274976693"/>
       </p:ext>
     </p:extLst>
   </p:cSld>
@@ -17146,7 +17184,7 @@
     </p:spTree>
     <p:extLst>
       <p:ext uri="{BB962C8B-B14F-4D97-AF65-F5344CB8AC3E}">
-        <p14:creationId xmlns:p14="http://schemas.microsoft.com/office/powerpoint/2010/main" val="3329429621"/>
+        <p14:creationId xmlns="" xmlns:p14="http://schemas.microsoft.com/office/powerpoint/2010/main" val="3329429621"/>
       </p:ext>
     </p:extLst>
   </p:cSld>
@@ -18555,7 +18593,7 @@
     </p:spTree>
     <p:extLst>
       <p:ext uri="{BB962C8B-B14F-4D97-AF65-F5344CB8AC3E}">
-        <p14:creationId xmlns:p14="http://schemas.microsoft.com/office/powerpoint/2010/main" val="4236083013"/>
+        <p14:creationId xmlns="" xmlns:p14="http://schemas.microsoft.com/office/powerpoint/2010/main" val="4236083013"/>
       </p:ext>
     </p:extLst>
   </p:cSld>
@@ -20124,7 +20162,7 @@
     </p:spTree>
     <p:extLst>
       <p:ext uri="{BB962C8B-B14F-4D97-AF65-F5344CB8AC3E}">
-        <p14:creationId xmlns:p14="http://schemas.microsoft.com/office/powerpoint/2010/main" val="3244002543"/>
+        <p14:creationId xmlns="" xmlns:p14="http://schemas.microsoft.com/office/powerpoint/2010/main" val="3244002543"/>
       </p:ext>
     </p:extLst>
   </p:cSld>
